--- a/моб проект с qr.pptx
+++ b/моб проект с qr.pptx
@@ -7089,36 +7089,6 @@
           <a:chExt cx="0" cy="0"/>
         </a:xfrm>
       </p:grpSpPr>
-      <p:pic>
-        <p:nvPicPr>
-          <p:cNvPr id="9" name="Рисунок 8">
-            <a:extLst>
-              <a:ext uri="{FF2B5EF4-FFF2-40B4-BE49-F238E27FC236}">
-                <a16:creationId xmlns:a16="http://schemas.microsoft.com/office/drawing/2014/main" id="{BC155489-3737-119D-069C-AFD085044E36}"/>
-              </a:ext>
-            </a:extLst>
-          </p:cNvPr>
-          <p:cNvPicPr>
-            <a:picLocks noChangeAspect="1"/>
-          </p:cNvPicPr>
-          <p:nvPr/>
-        </p:nvPicPr>
-        <p:blipFill>
-          <a:blip r:embed="rId2"/>
-          <a:stretch>
-            <a:fillRect/>
-          </a:stretch>
-        </p:blipFill>
-        <p:spPr>
-          <a:xfrm>
-            <a:off x="4247754" y="2902311"/>
-            <a:ext cx="5286394" cy="2545630"/>
-          </a:xfrm>
-          <a:prstGeom prst="rect">
-            <a:avLst/>
-          </a:prstGeom>
-        </p:spPr>
-      </p:pic>
       <p:sp>
         <p:nvSpPr>
           <p:cNvPr id="2" name="Заголовок 1">
@@ -7819,6 +7789,42 @@
           </a:p>
         </p:txBody>
       </p:sp>
+      <p:pic>
+        <p:nvPicPr>
+          <p:cNvPr id="4" name="Рисунок 3">
+            <a:extLst>
+              <a:ext uri="{FF2B5EF4-FFF2-40B4-BE49-F238E27FC236}">
+                <a16:creationId xmlns:a16="http://schemas.microsoft.com/office/drawing/2014/main" id="{5DF51F06-2C0A-EF27-F850-43F49E5F4920}"/>
+              </a:ext>
+            </a:extLst>
+          </p:cNvPr>
+          <p:cNvPicPr>
+            <a:picLocks noChangeAspect="1"/>
+          </p:cNvPicPr>
+          <p:nvPr/>
+        </p:nvPicPr>
+        <p:blipFill>
+          <a:blip r:embed="rId2">
+            <a:extLst>
+              <a:ext uri="{96DAC541-7B7A-43D3-8B79-37D633B846F1}">
+                <asvg:svgBlip xmlns:asvg="http://schemas.microsoft.com/office/drawing/2016/SVG/main" r:embed="rId3"/>
+              </a:ext>
+            </a:extLst>
+          </a:blip>
+          <a:stretch>
+            <a:fillRect/>
+          </a:stretch>
+        </p:blipFill>
+        <p:spPr>
+          <a:xfrm>
+            <a:off x="4859614" y="1211719"/>
+            <a:ext cx="6104132" cy="4434561"/>
+          </a:xfrm>
+          <a:prstGeom prst="rect">
+            <a:avLst/>
+          </a:prstGeom>
+        </p:spPr>
+      </p:pic>
     </p:spTree>
     <p:extLst>
       <p:ext uri="{BB962C8B-B14F-4D97-AF65-F5344CB8AC3E}">
